--- a/HashiCorp Vault.pptx
+++ b/HashiCorp Vault.pptx
@@ -353,7 +353,7 @@
             <a:fld id="{57E0CF6C-748E-4B7A-BC8B-3011EF78ED13}" type="datetime1">
               <a:rPr lang="en-US" smtClean="0"/>
               <a:pPr/>
-              <a:t>12/19/2023</a:t>
+              <a:t>12/22/2023</a:t>
             </a:fld>
             <a:endParaRPr lang="en-US" dirty="0"/>
           </a:p>
@@ -690,7 +690,7 @@
             <a:fld id="{57E0CF6C-748E-4B7A-BC8B-3011EF78ED13}" type="datetime1">
               <a:rPr lang="en-US" smtClean="0"/>
               <a:pPr/>
-              <a:t>12/19/2023</a:t>
+              <a:t>12/22/2023</a:t>
             </a:fld>
             <a:endParaRPr lang="en-US" dirty="0"/>
           </a:p>
@@ -971,7 +971,7 @@
             <a:fld id="{57E0CF6C-748E-4B7A-BC8B-3011EF78ED13}" type="datetime1">
               <a:rPr lang="en-US" smtClean="0"/>
               <a:pPr/>
-              <a:t>12/19/2023</a:t>
+              <a:t>12/22/2023</a:t>
             </a:fld>
             <a:endParaRPr lang="en-US" dirty="0"/>
           </a:p>
@@ -1542,7 +1542,7 @@
             <a:fld id="{57E0CF6C-748E-4B7A-BC8B-3011EF78ED13}" type="datetime1">
               <a:rPr lang="en-US" smtClean="0"/>
               <a:pPr/>
-              <a:t>12/19/2023</a:t>
+              <a:t>12/22/2023</a:t>
             </a:fld>
             <a:endParaRPr lang="en-US" dirty="0"/>
           </a:p>
@@ -1823,7 +1823,7 @@
             <a:fld id="{57E0CF6C-748E-4B7A-BC8B-3011EF78ED13}" type="datetime1">
               <a:rPr lang="en-US" smtClean="0"/>
               <a:pPr/>
-              <a:t>12/19/2023</a:t>
+              <a:t>12/22/2023</a:t>
             </a:fld>
             <a:endParaRPr lang="en-US" dirty="0"/>
           </a:p>
@@ -2388,7 +2388,7 @@
             <a:fld id="{57E0CF6C-748E-4B7A-BC8B-3011EF78ED13}" type="datetime1">
               <a:rPr lang="en-US" smtClean="0"/>
               <a:pPr/>
-              <a:t>12/19/2023</a:t>
+              <a:t>12/22/2023</a:t>
             </a:fld>
             <a:endParaRPr lang="en-US" dirty="0"/>
           </a:p>
@@ -2718,7 +2718,7 @@
             <a:fld id="{57E0CF6C-748E-4B7A-BC8B-3011EF78ED13}" type="datetime1">
               <a:rPr lang="en-US" smtClean="0"/>
               <a:pPr/>
-              <a:t>12/19/2023</a:t>
+              <a:t>12/22/2023</a:t>
             </a:fld>
             <a:endParaRPr lang="en-US" dirty="0"/>
           </a:p>
@@ -2898,7 +2898,7 @@
             <a:fld id="{57E0CF6C-748E-4B7A-BC8B-3011EF78ED13}" type="datetime1">
               <a:rPr lang="en-US" smtClean="0"/>
               <a:pPr/>
-              <a:t>12/19/2023</a:t>
+              <a:t>12/22/2023</a:t>
             </a:fld>
             <a:endParaRPr lang="en-US" dirty="0"/>
           </a:p>
@@ -3139,7 +3139,7 @@
             <a:fld id="{57E0CF6C-748E-4B7A-BC8B-3011EF78ED13}" type="datetime1">
               <a:rPr lang="en-US" smtClean="0"/>
               <a:pPr/>
-              <a:t>12/19/2023</a:t>
+              <a:t>12/22/2023</a:t>
             </a:fld>
             <a:endParaRPr lang="en-US" dirty="0"/>
           </a:p>
@@ -3342,7 +3342,7 @@
             <a:fld id="{57E0CF6C-748E-4B7A-BC8B-3011EF78ED13}" type="datetime1">
               <a:rPr lang="en-US" smtClean="0"/>
               <a:pPr/>
-              <a:t>12/19/2023</a:t>
+              <a:t>12/22/2023</a:t>
             </a:fld>
             <a:endParaRPr lang="en-US" dirty="0"/>
           </a:p>
@@ -3621,7 +3621,7 @@
             <a:fld id="{57E0CF6C-748E-4B7A-BC8B-3011EF78ED13}" type="datetime1">
               <a:rPr lang="en-US" smtClean="0"/>
               <a:pPr/>
-              <a:t>12/19/2023</a:t>
+              <a:t>12/22/2023</a:t>
             </a:fld>
             <a:endParaRPr lang="en-US" dirty="0"/>
           </a:p>
@@ -3890,7 +3890,7 @@
             <a:fld id="{57E0CF6C-748E-4B7A-BC8B-3011EF78ED13}" type="datetime1">
               <a:rPr lang="en-US" smtClean="0"/>
               <a:pPr/>
-              <a:t>12/19/2023</a:t>
+              <a:t>12/22/2023</a:t>
             </a:fld>
             <a:endParaRPr lang="en-US" dirty="0"/>
           </a:p>
@@ -4267,7 +4267,7 @@
             <a:fld id="{57E0CF6C-748E-4B7A-BC8B-3011EF78ED13}" type="datetime1">
               <a:rPr lang="en-US" smtClean="0"/>
               <a:pPr/>
-              <a:t>12/19/2023</a:t>
+              <a:t>12/22/2023</a:t>
             </a:fld>
             <a:endParaRPr lang="en-US" dirty="0"/>
           </a:p>
@@ -4418,7 +4418,7 @@
             <a:fld id="{57E0CF6C-748E-4B7A-BC8B-3011EF78ED13}" type="datetime1">
               <a:rPr lang="en-US" smtClean="0"/>
               <a:pPr/>
-              <a:t>12/19/2023</a:t>
+              <a:t>12/22/2023</a:t>
             </a:fld>
             <a:endParaRPr lang="en-US" dirty="0"/>
           </a:p>
@@ -4546,7 +4546,7 @@
             <a:fld id="{57E0CF6C-748E-4B7A-BC8B-3011EF78ED13}" type="datetime1">
               <a:rPr lang="en-US" smtClean="0"/>
               <a:pPr/>
-              <a:t>12/19/2023</a:t>
+              <a:t>12/22/2023</a:t>
             </a:fld>
             <a:endParaRPr lang="en-US" dirty="0"/>
           </a:p>
@@ -4834,7 +4834,7 @@
             <a:fld id="{57E0CF6C-748E-4B7A-BC8B-3011EF78ED13}" type="datetime1">
               <a:rPr lang="en-US" smtClean="0"/>
               <a:pPr/>
-              <a:t>12/19/2023</a:t>
+              <a:t>12/22/2023</a:t>
             </a:fld>
             <a:endParaRPr lang="en-US" dirty="0"/>
           </a:p>
@@ -5161,7 +5161,7 @@
             <a:fld id="{57E0CF6C-748E-4B7A-BC8B-3011EF78ED13}" type="datetime1">
               <a:rPr lang="en-US" smtClean="0"/>
               <a:pPr/>
-              <a:t>12/19/2023</a:t>
+              <a:t>12/22/2023</a:t>
             </a:fld>
             <a:endParaRPr lang="en-US" dirty="0"/>
           </a:p>
@@ -5378,7 +5378,7 @@
             <a:fld id="{57E0CF6C-748E-4B7A-BC8B-3011EF78ED13}" type="datetime1">
               <a:rPr lang="en-US" smtClean="0"/>
               <a:pPr/>
-              <a:t>12/19/2023</a:t>
+              <a:t>12/22/2023</a:t>
             </a:fld>
             <a:endParaRPr lang="en-US" dirty="0"/>
           </a:p>
@@ -6885,6 +6885,37 @@
             <a:endParaRPr lang="en-US" dirty="0" smtClean="0"/>
           </a:p>
           <a:p>
+            <a:r>
+              <a:rPr lang="en-US" dirty="0"/>
+              <a:t>Demo </a:t>
+            </a:r>
+            <a:r>
+              <a:rPr lang="en-US" dirty="0">
+                <a:hlinkClick r:id="rId8"/>
+              </a:rPr>
+              <a:t>https</a:t>
+            </a:r>
+            <a:r>
+              <a:rPr lang="en-US">
+                <a:hlinkClick r:id="rId8"/>
+              </a:rPr>
+              <a:t>://</a:t>
+            </a:r>
+            <a:r>
+              <a:rPr lang="en-US" smtClean="0">
+                <a:hlinkClick r:id="rId8"/>
+              </a:rPr>
+              <a:t>github.com/anvar1101/vault-demo</a:t>
+            </a:r>
+            <a:endParaRPr lang="en-US" smtClean="0"/>
+          </a:p>
+          <a:p>
+            <a:pPr marL="0" indent="0">
+              <a:buNone/>
+            </a:pPr>
+            <a:endParaRPr lang="en-US" dirty="0" smtClean="0"/>
+          </a:p>
+          <a:p>
             <a:endParaRPr lang="en-US" dirty="0"/>
           </a:p>
           <a:p>
